--- a/Unity_SQLite.pptx
+++ b/Unity_SQLite.pptx
@@ -149,7 +149,7 @@
   </p:defaultTextStyle>
   <p:extLst>
     <p:ext uri="{EFAFB233-063F-42B5-8137-9DF3F51BA10A}">
-      <p15:sldGuideLst xmlns:p15="http://schemas.microsoft.com/office/powerpoint/2012/main" xmlns="">
+      <p15:sldGuideLst xmlns="" xmlns:p15="http://schemas.microsoft.com/office/powerpoint/2012/main">
         <p15:guide id="2" pos="2880" userDrawn="1">
           <p15:clr>
             <a:srgbClr val="A4A3A4"/>
@@ -188,7 +188,7 @@
       </p15:sldGuideLst>
     </p:ext>
     <p:ext uri="{2D200454-40CA-4A62-9FC3-DE9A4176ACB9}">
-      <p15:notesGuideLst xmlns:p15="http://schemas.microsoft.com/office/powerpoint/2012/main" xmlns=""/>
+      <p15:notesGuideLst xmlns="" xmlns:p15="http://schemas.microsoft.com/office/powerpoint/2012/main"/>
     </p:ext>
   </p:extLst>
 </p:presentation>
@@ -277,7 +277,7 @@
             <a:fld id="{74D30B1E-1C71-4203-B134-4CDC729AEC97}" type="datetimeFigureOut">
               <a:rPr lang="ko-KR" altLang="en-US" smtClean="0"/>
               <a:pPr/>
-              <a:t>2017-12-08</a:t>
+              <a:t>2017-12-18</a:t>
             </a:fld>
             <a:endParaRPr lang="ko-KR" altLang="en-US"/>
           </a:p>
@@ -446,7 +446,7 @@
     </p:spTree>
     <p:extLst>
       <p:ext uri="{BB962C8B-B14F-4D97-AF65-F5344CB8AC3E}">
-        <p14:creationId xmlns:p14="http://schemas.microsoft.com/office/powerpoint/2010/main" xmlns="" val="273854862"/>
+        <p14:creationId xmlns="" xmlns:p14="http://schemas.microsoft.com/office/powerpoint/2010/main" val="273854862"/>
       </p:ext>
     </p:extLst>
   </p:cSld>
@@ -1172,7 +1172,7 @@
             <a:fld id="{544213AF-26F6-41FA-8D85-E2C5388D6E58}" type="datetimeFigureOut">
               <a:rPr lang="en-US" smtClean="0"/>
               <a:pPr/>
-              <a:t>12/8/2017</a:t>
+              <a:t>12/18/2017</a:t>
             </a:fld>
             <a:endParaRPr lang="en-US" dirty="0">
               <a:solidFill>
@@ -1384,7 +1384,7 @@
             <a:fld id="{544213AF-26F6-41FA-8D85-E2C5388D6E58}" type="datetimeFigureOut">
               <a:rPr lang="en-US" smtClean="0"/>
               <a:pPr/>
-              <a:t>12/8/2017</a:t>
+              <a:t>12/18/2017</a:t>
             </a:fld>
             <a:endParaRPr lang="en-US"/>
           </a:p>
@@ -1571,7 +1571,7 @@
             <a:fld id="{544213AF-26F6-41FA-8D85-E2C5388D6E58}" type="datetimeFigureOut">
               <a:rPr lang="en-US" smtClean="0"/>
               <a:pPr/>
-              <a:t>12/8/2017</a:t>
+              <a:t>12/18/2017</a:t>
             </a:fld>
             <a:endParaRPr lang="en-US"/>
           </a:p>
@@ -1989,7 +1989,7 @@
             <a:fld id="{544213AF-26F6-41FA-8D85-E2C5388D6E58}" type="datetimeFigureOut">
               <a:rPr lang="en-US" smtClean="0"/>
               <a:pPr/>
-              <a:t>12/8/2017</a:t>
+              <a:t>12/18/2017</a:t>
             </a:fld>
             <a:endParaRPr lang="en-US"/>
           </a:p>
@@ -2246,7 +2246,7 @@
             <a:fld id="{544213AF-26F6-41FA-8D85-E2C5388D6E58}" type="datetimeFigureOut">
               <a:rPr lang="en-US" smtClean="0"/>
               <a:pPr/>
-              <a:t>12/8/2017</a:t>
+              <a:t>12/18/2017</a:t>
             </a:fld>
             <a:endParaRPr lang="en-US"/>
           </a:p>
@@ -2657,7 +2657,7 @@
             <a:fld id="{544213AF-26F6-41FA-8D85-E2C5388D6E58}" type="datetimeFigureOut">
               <a:rPr lang="en-US" smtClean="0"/>
               <a:pPr/>
-              <a:t>12/8/2017</a:t>
+              <a:t>12/18/2017</a:t>
             </a:fld>
             <a:endParaRPr lang="en-US"/>
           </a:p>
@@ -3105,7 +3105,7 @@
             <a:fld id="{544213AF-26F6-41FA-8D85-E2C5388D6E58}" type="datetimeFigureOut">
               <a:rPr lang="en-US" smtClean="0"/>
               <a:pPr/>
-              <a:t>12/8/2017</a:t>
+              <a:t>12/18/2017</a:t>
             </a:fld>
             <a:endParaRPr lang="en-US"/>
           </a:p>
@@ -3208,7 +3208,7 @@
             <a:fld id="{544213AF-26F6-41FA-8D85-E2C5388D6E58}" type="datetimeFigureOut">
               <a:rPr lang="en-US" smtClean="0"/>
               <a:pPr/>
-              <a:t>12/8/2017</a:t>
+              <a:t>12/18/2017</a:t>
             </a:fld>
             <a:endParaRPr lang="en-US"/>
           </a:p>
@@ -3331,7 +3331,7 @@
             <a:fld id="{544213AF-26F6-41FA-8D85-E2C5388D6E58}" type="datetimeFigureOut">
               <a:rPr lang="en-US" smtClean="0"/>
               <a:pPr/>
-              <a:t>12/8/2017</a:t>
+              <a:t>12/18/2017</a:t>
             </a:fld>
             <a:endParaRPr lang="en-US"/>
           </a:p>
@@ -3607,7 +3607,7 @@
             <a:fld id="{544213AF-26F6-41FA-8D85-E2C5388D6E58}" type="datetimeFigureOut">
               <a:rPr lang="en-US" smtClean="0"/>
               <a:pPr/>
-              <a:t>12/8/2017</a:t>
+              <a:t>12/18/2017</a:t>
             </a:fld>
             <a:endParaRPr lang="en-US"/>
           </a:p>
@@ -3814,7 +3814,7 @@
             <a:fld id="{544213AF-26F6-41FA-8D85-E2C5388D6E58}" type="datetimeFigureOut">
               <a:rPr lang="en-US" smtClean="0"/>
               <a:pPr/>
-              <a:t>12/8/2017</a:t>
+              <a:t>12/18/2017</a:t>
             </a:fld>
             <a:endParaRPr lang="en-US">
               <a:solidFill>
@@ -4937,7 +4937,7 @@
             <a:fld id="{544213AF-26F6-41FA-8D85-E2C5388D6E58}" type="datetimeFigureOut">
               <a:rPr lang="en-US" smtClean="0"/>
               <a:pPr/>
-              <a:t>12/8/2017</a:t>
+              <a:t>12/18/2017</a:t>
             </a:fld>
             <a:endParaRPr lang="en-US" sz="1000" dirty="0">
               <a:solidFill>
@@ -5425,7 +5425,7 @@
     </p:spTree>
     <p:extLst>
       <p:ext uri="{BB962C8B-B14F-4D97-AF65-F5344CB8AC3E}">
-        <p14:creationId xmlns:p14="http://schemas.microsoft.com/office/powerpoint/2010/main" xmlns="" val="1872106186"/>
+        <p14:creationId xmlns="" xmlns:p14="http://schemas.microsoft.com/office/powerpoint/2010/main" val="1872106186"/>
       </p:ext>
     </p:extLst>
   </p:cSld>
@@ -5433,7 +5433,7 @@
     <a:masterClrMapping/>
   </p:clrMapOvr>
   <mc:AlternateContent xmlns:mc="http://schemas.openxmlformats.org/markup-compatibility/2006">
-    <mc:Choice xmlns:p14="http://schemas.microsoft.com/office/powerpoint/2010/main" xmlns="" Requires="p14">
+    <mc:Choice xmlns="" xmlns:p14="http://schemas.microsoft.com/office/powerpoint/2010/main" Requires="p14">
       <p:transition spd="med" p14:dur="700">
         <p:fade/>
       </p:transition>
@@ -6001,7 +6001,7 @@
     </p:spTree>
     <p:extLst>
       <p:ext uri="{BB962C8B-B14F-4D97-AF65-F5344CB8AC3E}">
-        <p14:creationId xmlns="" xmlns:p14="http://schemas.microsoft.com/office/powerpoint/2010/main" val="1027839017"/>
+        <p14:creationId xmlns:p14="http://schemas.microsoft.com/office/powerpoint/2010/main" xmlns="" val="1027839017"/>
       </p:ext>
     </p:extLst>
   </p:cSld>
@@ -6634,7 +6634,7 @@
     </p:spTree>
     <p:extLst>
       <p:ext uri="{BB962C8B-B14F-4D97-AF65-F5344CB8AC3E}">
-        <p14:creationId xmlns="" xmlns:p14="http://schemas.microsoft.com/office/powerpoint/2010/main" val="2860082495"/>
+        <p14:creationId xmlns:p14="http://schemas.microsoft.com/office/powerpoint/2010/main" xmlns="" val="2860082495"/>
       </p:ext>
     </p:extLst>
   </p:cSld>
@@ -7019,7 +7019,7 @@
     </p:spTree>
     <p:extLst>
       <p:ext uri="{BB962C8B-B14F-4D97-AF65-F5344CB8AC3E}">
-        <p14:creationId xmlns="" xmlns:p14="http://schemas.microsoft.com/office/powerpoint/2010/main" val="664525971"/>
+        <p14:creationId xmlns:p14="http://schemas.microsoft.com/office/powerpoint/2010/main" xmlns="" val="664525971"/>
       </p:ext>
     </p:extLst>
   </p:cSld>
@@ -7339,7 +7339,7 @@
     </p:spTree>
     <p:extLst>
       <p:ext uri="{BB962C8B-B14F-4D97-AF65-F5344CB8AC3E}">
-        <p14:creationId xmlns="" xmlns:p14="http://schemas.microsoft.com/office/powerpoint/2010/main" val="3466490468"/>
+        <p14:creationId xmlns:p14="http://schemas.microsoft.com/office/powerpoint/2010/main" xmlns="" val="3466490468"/>
       </p:ext>
     </p:extLst>
   </p:cSld>
@@ -7894,7 +7894,7 @@
     </p:spTree>
     <p:extLst>
       <p:ext uri="{BB962C8B-B14F-4D97-AF65-F5344CB8AC3E}">
-        <p14:creationId xmlns="" xmlns:p14="http://schemas.microsoft.com/office/powerpoint/2010/main" val="2175041396"/>
+        <p14:creationId xmlns:p14="http://schemas.microsoft.com/office/powerpoint/2010/main" xmlns="" val="2175041396"/>
       </p:ext>
     </p:extLst>
   </p:cSld>
@@ -8433,7 +8433,7 @@
     </p:spTree>
     <p:extLst>
       <p:ext uri="{BB962C8B-B14F-4D97-AF65-F5344CB8AC3E}">
-        <p14:creationId xmlns="" xmlns:p14="http://schemas.microsoft.com/office/powerpoint/2010/main" val="2402059292"/>
+        <p14:creationId xmlns:p14="http://schemas.microsoft.com/office/powerpoint/2010/main" xmlns="" val="2402059292"/>
       </p:ext>
     </p:extLst>
   </p:cSld>
@@ -8666,7 +8666,7 @@
     </p:spTree>
     <p:extLst>
       <p:ext uri="{BB962C8B-B14F-4D97-AF65-F5344CB8AC3E}">
-        <p14:creationId xmlns="" xmlns:p14="http://schemas.microsoft.com/office/powerpoint/2010/main" val="3386281361"/>
+        <p14:creationId xmlns:p14="http://schemas.microsoft.com/office/powerpoint/2010/main" xmlns="" val="3386281361"/>
       </p:ext>
     </p:extLst>
   </p:cSld>
@@ -8827,7 +8827,7 @@
     </p:spTree>
     <p:extLst>
       <p:ext uri="{BB962C8B-B14F-4D97-AF65-F5344CB8AC3E}">
-        <p14:creationId xmlns="" xmlns:p14="http://schemas.microsoft.com/office/powerpoint/2010/main" val="3386281361"/>
+        <p14:creationId xmlns:p14="http://schemas.microsoft.com/office/powerpoint/2010/main" xmlns="" val="3386281361"/>
       </p:ext>
     </p:extLst>
   </p:cSld>
@@ -8979,7 +8979,7 @@
     </p:spTree>
     <p:extLst>
       <p:ext uri="{BB962C8B-B14F-4D97-AF65-F5344CB8AC3E}">
-        <p14:creationId xmlns="" xmlns:p14="http://schemas.microsoft.com/office/powerpoint/2010/main" val="3386281361"/>
+        <p14:creationId xmlns:p14="http://schemas.microsoft.com/office/powerpoint/2010/main" xmlns="" val="3386281361"/>
       </p:ext>
     </p:extLst>
   </p:cSld>
@@ -9695,7 +9695,7 @@
     </p:spTree>
     <p:extLst>
       <p:ext uri="{BB962C8B-B14F-4D97-AF65-F5344CB8AC3E}">
-        <p14:creationId xmlns="" xmlns:p14="http://schemas.microsoft.com/office/powerpoint/2010/main" val="1640399546"/>
+        <p14:creationId xmlns:p14="http://schemas.microsoft.com/office/powerpoint/2010/main" xmlns="" val="1640399546"/>
       </p:ext>
     </p:extLst>
   </p:cSld>
@@ -9848,7 +9848,7 @@
     </p:spTree>
     <p:extLst>
       <p:ext uri="{BB962C8B-B14F-4D97-AF65-F5344CB8AC3E}">
-        <p14:creationId xmlns:p14="http://schemas.microsoft.com/office/powerpoint/2010/main" xmlns="" val="2303469922"/>
+        <p14:creationId xmlns="" xmlns:p14="http://schemas.microsoft.com/office/powerpoint/2010/main" val="2303469922"/>
       </p:ext>
     </p:extLst>
   </p:cSld>
@@ -9856,7 +9856,7 @@
     <a:masterClrMapping/>
   </p:clrMapOvr>
   <mc:AlternateContent xmlns:mc="http://schemas.openxmlformats.org/markup-compatibility/2006">
-    <mc:Choice xmlns:p14="http://schemas.microsoft.com/office/powerpoint/2010/main" xmlns="" Requires="p14">
+    <mc:Choice xmlns="" xmlns:p14="http://schemas.microsoft.com/office/powerpoint/2010/main" Requires="p14">
       <p:transition spd="med" p14:dur="700">
         <p:fade/>
       </p:transition>
@@ -10496,7 +10496,7 @@
     </p:spTree>
     <p:extLst>
       <p:ext uri="{BB962C8B-B14F-4D97-AF65-F5344CB8AC3E}">
-        <p14:creationId xmlns="" xmlns:p14="http://schemas.microsoft.com/office/powerpoint/2010/main" val="1665911355"/>
+        <p14:creationId xmlns:p14="http://schemas.microsoft.com/office/powerpoint/2010/main" xmlns="" val="1665911355"/>
       </p:ext>
     </p:extLst>
   </p:cSld>
@@ -11029,7 +11029,7 @@
     </p:spTree>
     <p:extLst>
       <p:ext uri="{BB962C8B-B14F-4D97-AF65-F5344CB8AC3E}">
-        <p14:creationId xmlns="" xmlns:p14="http://schemas.microsoft.com/office/powerpoint/2010/main" val="155985948"/>
+        <p14:creationId xmlns:p14="http://schemas.microsoft.com/office/powerpoint/2010/main" xmlns="" val="155985948"/>
       </p:ext>
     </p:extLst>
   </p:cSld>
@@ -11176,22 +11176,13 @@
               </a:rPr>
               <a:t>2</a:t>
             </a:r>
-            <a:endParaRPr lang="en-US" altLang="ko-KR" sz="6600" spc="-50" dirty="0" smtClean="0">
-              <a:solidFill>
-                <a:schemeClr val="tx1">
-                  <a:lumMod val="50000"/>
-                  <a:lumOff val="50000"/>
-                </a:schemeClr>
-              </a:solidFill>
-              <a:latin typeface="+mn-ea"/>
-            </a:endParaRPr>
           </a:p>
         </p:txBody>
       </p:sp>
     </p:spTree>
     <p:extLst>
       <p:ext uri="{BB962C8B-B14F-4D97-AF65-F5344CB8AC3E}">
-        <p14:creationId xmlns="" xmlns:p14="http://schemas.microsoft.com/office/powerpoint/2010/main" val="396826947"/>
+        <p14:creationId xmlns:p14="http://schemas.microsoft.com/office/powerpoint/2010/main" xmlns="" val="396826947"/>
       </p:ext>
     </p:extLst>
   </p:cSld>
@@ -11199,7 +11190,7 @@
     <a:masterClrMapping/>
   </p:clrMapOvr>
   <mc:AlternateContent xmlns:mc="http://schemas.openxmlformats.org/markup-compatibility/2006">
-    <mc:Choice xmlns="" xmlns:p14="http://schemas.microsoft.com/office/powerpoint/2010/main" Requires="p14">
+    <mc:Choice xmlns:p14="http://schemas.microsoft.com/office/powerpoint/2010/main" xmlns="" Requires="p14">
       <p:transition spd="med" p14:dur="700">
         <p:fade/>
       </p:transition>
@@ -11607,7 +11598,7 @@
     </p:spTree>
     <p:extLst>
       <p:ext uri="{BB962C8B-B14F-4D97-AF65-F5344CB8AC3E}">
-        <p14:creationId xmlns="" xmlns:p14="http://schemas.microsoft.com/office/powerpoint/2010/main" val="2099414971"/>
+        <p14:creationId xmlns:p14="http://schemas.microsoft.com/office/powerpoint/2010/main" xmlns="" val="2099414971"/>
       </p:ext>
     </p:extLst>
   </p:cSld>
@@ -11924,7 +11915,7 @@
     </p:spTree>
     <p:extLst>
       <p:ext uri="{BB962C8B-B14F-4D97-AF65-F5344CB8AC3E}">
-        <p14:creationId xmlns="" xmlns:p14="http://schemas.microsoft.com/office/powerpoint/2010/main" val="2113738909"/>
+        <p14:creationId xmlns:p14="http://schemas.microsoft.com/office/powerpoint/2010/main" xmlns="" val="2113738909"/>
       </p:ext>
     </p:extLst>
   </p:cSld>
@@ -12277,7 +12268,7 @@
     </p:spTree>
     <p:extLst>
       <p:ext uri="{BB962C8B-B14F-4D97-AF65-F5344CB8AC3E}">
-        <p14:creationId xmlns="" xmlns:p14="http://schemas.microsoft.com/office/powerpoint/2010/main" val="544319745"/>
+        <p14:creationId xmlns:p14="http://schemas.microsoft.com/office/powerpoint/2010/main" xmlns="" val="544319745"/>
       </p:ext>
     </p:extLst>
   </p:cSld>
@@ -12588,7 +12579,7 @@
     </p:spTree>
     <p:extLst>
       <p:ext uri="{BB962C8B-B14F-4D97-AF65-F5344CB8AC3E}">
-        <p14:creationId xmlns="" xmlns:p14="http://schemas.microsoft.com/office/powerpoint/2010/main" val="818749967"/>
+        <p14:creationId xmlns:p14="http://schemas.microsoft.com/office/powerpoint/2010/main" xmlns="" val="818749967"/>
       </p:ext>
     </p:extLst>
   </p:cSld>
@@ -12933,7 +12924,7 @@
     </p:spTree>
     <p:extLst>
       <p:ext uri="{BB962C8B-B14F-4D97-AF65-F5344CB8AC3E}">
-        <p14:creationId xmlns="" xmlns:p14="http://schemas.microsoft.com/office/powerpoint/2010/main" val="4174987116"/>
+        <p14:creationId xmlns:p14="http://schemas.microsoft.com/office/powerpoint/2010/main" xmlns="" val="4174987116"/>
       </p:ext>
     </p:extLst>
   </p:cSld>
@@ -13302,7 +13293,7 @@
     </p:spTree>
     <p:extLst>
       <p:ext uri="{BB962C8B-B14F-4D97-AF65-F5344CB8AC3E}">
-        <p14:creationId xmlns="" xmlns:p14="http://schemas.microsoft.com/office/powerpoint/2010/main" val="1117074447"/>
+        <p14:creationId xmlns:p14="http://schemas.microsoft.com/office/powerpoint/2010/main" xmlns="" val="1117074447"/>
       </p:ext>
     </p:extLst>
   </p:cSld>
@@ -13521,7 +13512,7 @@
     </p:spTree>
     <p:extLst>
       <p:ext uri="{BB962C8B-B14F-4D97-AF65-F5344CB8AC3E}">
-        <p14:creationId xmlns="" xmlns:p14="http://schemas.microsoft.com/office/powerpoint/2010/main" val="2657093251"/>
+        <p14:creationId xmlns:p14="http://schemas.microsoft.com/office/powerpoint/2010/main" xmlns="" val="2657093251"/>
       </p:ext>
     </p:extLst>
   </p:cSld>
@@ -13735,7 +13726,7 @@
     </p:spTree>
     <p:extLst>
       <p:ext uri="{BB962C8B-B14F-4D97-AF65-F5344CB8AC3E}">
-        <p14:creationId xmlns:p14="http://schemas.microsoft.com/office/powerpoint/2010/main" xmlns="" val="2464064497"/>
+        <p14:creationId xmlns="" xmlns:p14="http://schemas.microsoft.com/office/powerpoint/2010/main" val="2464064497"/>
       </p:ext>
     </p:extLst>
   </p:cSld>
@@ -14068,7 +14059,31 @@
               <a:rPr lang="ko-KR" altLang="en-US" sz="1200" dirty="0" smtClean="0">
                 <a:latin typeface="+mj-lt"/>
               </a:rPr>
-              <a:t>를 로그인으로 수정한다</a:t>
+              <a:t>를 </a:t>
+            </a:r>
+            <a:r>
+              <a:rPr lang="ko-KR" altLang="en-US" sz="1200" dirty="0" smtClean="0">
+                <a:latin typeface="+mj-lt"/>
+              </a:rPr>
+              <a:t>회원가</a:t>
+            </a:r>
+            <a:r>
+              <a:rPr lang="ko-KR" altLang="en-US" sz="1200" dirty="0" smtClean="0">
+                <a:latin typeface="+mj-lt"/>
+              </a:rPr>
+              <a:t>입</a:t>
+            </a:r>
+            <a:r>
+              <a:rPr lang="ko-KR" altLang="en-US" sz="1200" dirty="0" smtClean="0">
+                <a:latin typeface="+mj-lt"/>
+              </a:rPr>
+              <a:t>으로 </a:t>
+            </a:r>
+            <a:r>
+              <a:rPr lang="ko-KR" altLang="en-US" sz="1200" dirty="0" smtClean="0">
+                <a:latin typeface="+mj-lt"/>
+              </a:rPr>
+              <a:t>수정한다</a:t>
             </a:r>
             <a:r>
               <a:rPr lang="en-US" altLang="ko-KR" sz="1200" dirty="0" smtClean="0">
@@ -14146,7 +14161,7 @@
         <p:spPr>
           <a:xfrm>
             <a:off x="4860032" y="4952201"/>
-            <a:ext cx="4032448" cy="276999"/>
+            <a:ext cx="4032448" cy="461665"/>
           </a:xfrm>
           <a:prstGeom prst="rect">
             <a:avLst/>
@@ -14169,7 +14184,25 @@
               <a:rPr lang="ko-KR" altLang="en-US" sz="1200" dirty="0" smtClean="0">
                 <a:latin typeface="+mj-lt"/>
               </a:rPr>
-              <a:t>다음과 같이 로그인 버튼을 </a:t>
+              <a:t>다음과 </a:t>
+            </a:r>
+            <a:r>
+              <a:rPr lang="ko-KR" altLang="en-US" sz="1200" smtClean="0">
+                <a:latin typeface="+mj-lt"/>
+              </a:rPr>
+              <a:t>같이 </a:t>
+            </a:r>
+            <a:r>
+              <a:rPr lang="ko-KR" altLang="en-US" sz="1200" smtClean="0">
+                <a:latin typeface="+mj-lt"/>
+              </a:rPr>
+              <a:t>회원가입 </a:t>
+            </a:r>
+            <a:r>
+              <a:rPr lang="ko-KR" altLang="en-US" sz="1200" dirty="0" smtClean="0">
+                <a:latin typeface="+mj-lt"/>
+              </a:rPr>
+              <a:t>버튼을 </a:t>
             </a:r>
             <a:r>
               <a:rPr lang="en-US" altLang="ko-KR" sz="1200" dirty="0" smtClean="0">
@@ -14294,7 +14327,7 @@
     </p:spTree>
     <p:extLst>
       <p:ext uri="{BB962C8B-B14F-4D97-AF65-F5344CB8AC3E}">
-        <p14:creationId xmlns="" xmlns:p14="http://schemas.microsoft.com/office/powerpoint/2010/main" val="1421599777"/>
+        <p14:creationId xmlns:p14="http://schemas.microsoft.com/office/powerpoint/2010/main" xmlns="" val="1421599777"/>
       </p:ext>
     </p:extLst>
   </p:cSld>
@@ -14629,7 +14662,7 @@
     </p:spTree>
     <p:extLst>
       <p:ext uri="{BB962C8B-B14F-4D97-AF65-F5344CB8AC3E}">
-        <p14:creationId xmlns="" xmlns:p14="http://schemas.microsoft.com/office/powerpoint/2010/main" val="1854641060"/>
+        <p14:creationId xmlns:p14="http://schemas.microsoft.com/office/powerpoint/2010/main" xmlns="" val="1854641060"/>
       </p:ext>
     </p:extLst>
   </p:cSld>
@@ -15102,7 +15135,7 @@
     </p:spTree>
     <p:extLst>
       <p:ext uri="{BB962C8B-B14F-4D97-AF65-F5344CB8AC3E}">
-        <p14:creationId xmlns="" xmlns:p14="http://schemas.microsoft.com/office/powerpoint/2010/main" val="2497983443"/>
+        <p14:creationId xmlns:p14="http://schemas.microsoft.com/office/powerpoint/2010/main" xmlns="" val="2497983443"/>
       </p:ext>
     </p:extLst>
   </p:cSld>
@@ -15275,7 +15308,7 @@
     </p:spTree>
     <p:extLst>
       <p:ext uri="{BB962C8B-B14F-4D97-AF65-F5344CB8AC3E}">
-        <p14:creationId xmlns="" xmlns:p14="http://schemas.microsoft.com/office/powerpoint/2010/main" val="2230819860"/>
+        <p14:creationId xmlns:p14="http://schemas.microsoft.com/office/powerpoint/2010/main" xmlns="" val="2230819860"/>
       </p:ext>
     </p:extLst>
   </p:cSld>
@@ -15808,7 +15841,7 @@
     </p:spTree>
     <p:extLst>
       <p:ext uri="{BB962C8B-B14F-4D97-AF65-F5344CB8AC3E}">
-        <p14:creationId xmlns="" xmlns:p14="http://schemas.microsoft.com/office/powerpoint/2010/main" val="3738936678"/>
+        <p14:creationId xmlns:p14="http://schemas.microsoft.com/office/powerpoint/2010/main" xmlns="" val="3738936678"/>
       </p:ext>
     </p:extLst>
   </p:cSld>
@@ -16101,7 +16134,7 @@
     </p:spTree>
     <p:extLst>
       <p:ext uri="{BB962C8B-B14F-4D97-AF65-F5344CB8AC3E}">
-        <p14:creationId xmlns="" xmlns:p14="http://schemas.microsoft.com/office/powerpoint/2010/main" val="3738936678"/>
+        <p14:creationId xmlns:p14="http://schemas.microsoft.com/office/powerpoint/2010/main" xmlns="" val="3738936678"/>
       </p:ext>
     </p:extLst>
   </p:cSld>
@@ -16257,22 +16290,13 @@
               </a:rPr>
               <a:t>3</a:t>
             </a:r>
-            <a:endParaRPr lang="en-US" altLang="ko-KR" sz="6600" spc="-50" dirty="0" smtClean="0">
-              <a:solidFill>
-                <a:schemeClr val="tx1">
-                  <a:lumMod val="50000"/>
-                  <a:lumOff val="50000"/>
-                </a:schemeClr>
-              </a:solidFill>
-              <a:latin typeface="+mn-ea"/>
-            </a:endParaRPr>
           </a:p>
         </p:txBody>
       </p:sp>
     </p:spTree>
     <p:extLst>
       <p:ext uri="{BB962C8B-B14F-4D97-AF65-F5344CB8AC3E}">
-        <p14:creationId xmlns="" xmlns:p14="http://schemas.microsoft.com/office/powerpoint/2010/main" val="4251906465"/>
+        <p14:creationId xmlns:p14="http://schemas.microsoft.com/office/powerpoint/2010/main" xmlns="" val="4251906465"/>
       </p:ext>
     </p:extLst>
   </p:cSld>
@@ -16280,7 +16304,7 @@
     <a:masterClrMapping/>
   </p:clrMapOvr>
   <mc:AlternateContent xmlns:mc="http://schemas.openxmlformats.org/markup-compatibility/2006">
-    <mc:Choice xmlns="" xmlns:p14="http://schemas.microsoft.com/office/powerpoint/2010/main" Requires="p14">
+    <mc:Choice xmlns:p14="http://schemas.microsoft.com/office/powerpoint/2010/main" xmlns="" Requires="p14">
       <p:transition spd="med" p14:dur="700">
         <p:fade/>
       </p:transition>
@@ -16686,7 +16710,7 @@
     </p:spTree>
     <p:extLst>
       <p:ext uri="{BB962C8B-B14F-4D97-AF65-F5344CB8AC3E}">
-        <p14:creationId xmlns="" xmlns:p14="http://schemas.microsoft.com/office/powerpoint/2010/main" val="3738936678"/>
+        <p14:creationId xmlns:p14="http://schemas.microsoft.com/office/powerpoint/2010/main" xmlns="" val="3738936678"/>
       </p:ext>
     </p:extLst>
   </p:cSld>
@@ -16931,7 +16955,7 @@
     </p:spTree>
     <p:extLst>
       <p:ext uri="{BB962C8B-B14F-4D97-AF65-F5344CB8AC3E}">
-        <p14:creationId xmlns="" xmlns:p14="http://schemas.microsoft.com/office/powerpoint/2010/main" val="3738936678"/>
+        <p14:creationId xmlns:p14="http://schemas.microsoft.com/office/powerpoint/2010/main" xmlns="" val="3738936678"/>
       </p:ext>
     </p:extLst>
   </p:cSld>
@@ -17535,7 +17559,7 @@
     </p:spTree>
     <p:extLst>
       <p:ext uri="{BB962C8B-B14F-4D97-AF65-F5344CB8AC3E}">
-        <p14:creationId xmlns="" xmlns:p14="http://schemas.microsoft.com/office/powerpoint/2010/main" val="3738936678"/>
+        <p14:creationId xmlns:p14="http://schemas.microsoft.com/office/powerpoint/2010/main" xmlns="" val="3738936678"/>
       </p:ext>
     </p:extLst>
   </p:cSld>
@@ -17682,22 +17706,13 @@
               </a:rPr>
               <a:t>1</a:t>
             </a:r>
-            <a:endParaRPr lang="en-US" altLang="ko-KR" sz="6600" spc="-50" dirty="0" smtClean="0">
-              <a:solidFill>
-                <a:schemeClr val="tx1">
-                  <a:lumMod val="50000"/>
-                  <a:lumOff val="50000"/>
-                </a:schemeClr>
-              </a:solidFill>
-              <a:latin typeface="+mn-ea"/>
-            </a:endParaRPr>
           </a:p>
         </p:txBody>
       </p:sp>
     </p:spTree>
     <p:extLst>
       <p:ext uri="{BB962C8B-B14F-4D97-AF65-F5344CB8AC3E}">
-        <p14:creationId xmlns="" xmlns:p14="http://schemas.microsoft.com/office/powerpoint/2010/main" val="1224343470"/>
+        <p14:creationId xmlns:p14="http://schemas.microsoft.com/office/powerpoint/2010/main" xmlns="" val="1224343470"/>
       </p:ext>
     </p:extLst>
   </p:cSld>
@@ -17705,7 +17720,7 @@
     <a:masterClrMapping/>
   </p:clrMapOvr>
   <mc:AlternateContent xmlns:mc="http://schemas.openxmlformats.org/markup-compatibility/2006">
-    <mc:Choice xmlns="" xmlns:p14="http://schemas.microsoft.com/office/powerpoint/2010/main" Requires="p14">
+    <mc:Choice xmlns:p14="http://schemas.microsoft.com/office/powerpoint/2010/main" xmlns="" Requires="p14">
       <p:transition spd="med" p14:dur="700">
         <p:fade/>
       </p:transition>
@@ -17852,7 +17867,7 @@
     </p:spTree>
     <p:extLst>
       <p:ext uri="{BB962C8B-B14F-4D97-AF65-F5344CB8AC3E}">
-        <p14:creationId xmlns:p14="http://schemas.microsoft.com/office/powerpoint/2010/main" xmlns="" val="1257673598"/>
+        <p14:creationId xmlns="" xmlns:p14="http://schemas.microsoft.com/office/powerpoint/2010/main" val="1257673598"/>
       </p:ext>
     </p:extLst>
   </p:cSld>
@@ -17860,7 +17875,7 @@
     <a:masterClrMapping/>
   </p:clrMapOvr>
   <mc:AlternateContent xmlns:mc="http://schemas.openxmlformats.org/markup-compatibility/2006">
-    <mc:Choice xmlns:p14="http://schemas.microsoft.com/office/powerpoint/2010/main" xmlns="" Requires="p14">
+    <mc:Choice xmlns="" xmlns:p14="http://schemas.microsoft.com/office/powerpoint/2010/main" Requires="p14">
       <p:transition spd="med" p14:dur="700">
         <p:fade/>
       </p:transition>
@@ -17958,7 +17973,7 @@
     </p:spTree>
     <p:extLst>
       <p:ext uri="{BB962C8B-B14F-4D97-AF65-F5344CB8AC3E}">
-        <p14:creationId xmlns:p14="http://schemas.microsoft.com/office/powerpoint/2010/main" xmlns="" val="191388031"/>
+        <p14:creationId xmlns="" xmlns:p14="http://schemas.microsoft.com/office/powerpoint/2010/main" val="191388031"/>
       </p:ext>
     </p:extLst>
   </p:cSld>
@@ -17966,7 +17981,7 @@
     <a:masterClrMapping/>
   </p:clrMapOvr>
   <mc:AlternateContent xmlns:mc="http://schemas.openxmlformats.org/markup-compatibility/2006">
-    <mc:Choice xmlns:p14="http://schemas.microsoft.com/office/powerpoint/2010/main" xmlns="" Requires="p14">
+    <mc:Choice xmlns="" xmlns:p14="http://schemas.microsoft.com/office/powerpoint/2010/main" Requires="p14">
       <p:transition spd="med" p14:dur="700">
         <p:fade/>
       </p:transition>
@@ -18184,7 +18199,7 @@
     </p:spTree>
     <p:extLst>
       <p:ext uri="{BB962C8B-B14F-4D97-AF65-F5344CB8AC3E}">
-        <p14:creationId xmlns="" xmlns:p14="http://schemas.microsoft.com/office/powerpoint/2010/main" val="2517264049"/>
+        <p14:creationId xmlns:p14="http://schemas.microsoft.com/office/powerpoint/2010/main" xmlns="" val="2517264049"/>
       </p:ext>
     </p:extLst>
   </p:cSld>
@@ -18639,7 +18654,7 @@
     </p:spTree>
     <p:extLst>
       <p:ext uri="{BB962C8B-B14F-4D97-AF65-F5344CB8AC3E}">
-        <p14:creationId xmlns="" xmlns:p14="http://schemas.microsoft.com/office/powerpoint/2010/main" val="1897480809"/>
+        <p14:creationId xmlns:p14="http://schemas.microsoft.com/office/powerpoint/2010/main" xmlns="" val="1897480809"/>
       </p:ext>
     </p:extLst>
   </p:cSld>
@@ -18898,7 +18913,7 @@
     </p:spTree>
     <p:extLst>
       <p:ext uri="{BB962C8B-B14F-4D97-AF65-F5344CB8AC3E}">
-        <p14:creationId xmlns="" xmlns:p14="http://schemas.microsoft.com/office/powerpoint/2010/main" val="3703892803"/>
+        <p14:creationId xmlns:p14="http://schemas.microsoft.com/office/powerpoint/2010/main" xmlns="" val="3703892803"/>
       </p:ext>
     </p:extLst>
   </p:cSld>
@@ -19214,7 +19229,7 @@
     </p:spTree>
     <p:extLst>
       <p:ext uri="{BB962C8B-B14F-4D97-AF65-F5344CB8AC3E}">
-        <p14:creationId xmlns="" xmlns:p14="http://schemas.microsoft.com/office/powerpoint/2010/main" val="2901125541"/>
+        <p14:creationId xmlns:p14="http://schemas.microsoft.com/office/powerpoint/2010/main" xmlns="" val="2901125541"/>
       </p:ext>
     </p:extLst>
   </p:cSld>
@@ -19618,7 +19633,7 @@
     </p:spTree>
     <p:extLst>
       <p:ext uri="{BB962C8B-B14F-4D97-AF65-F5344CB8AC3E}">
-        <p14:creationId xmlns="" xmlns:p14="http://schemas.microsoft.com/office/powerpoint/2010/main" val="2162095756"/>
+        <p14:creationId xmlns:p14="http://schemas.microsoft.com/office/powerpoint/2010/main" xmlns="" val="2162095756"/>
       </p:ext>
     </p:extLst>
   </p:cSld>
@@ -20175,7 +20190,7 @@
   <a:extraClrSchemeLst/>
   <a:extLst>
     <a:ext uri="{05A4C25C-085E-4340-85A3-A5531E510DB2}">
-      <thm15:themeFamily xmlns:thm15="http://schemas.microsoft.com/office/thememl/2012/main" xmlns="" name="Office Theme" id="{62F939B6-93AF-4DB8-9C6B-D6C7DFDC589F}" vid="{4A3C46E8-61CC-4603-A589-7422A47A8E4A}"/>
+      <thm15:themeFamily xmlns="" xmlns:thm15="http://schemas.microsoft.com/office/thememl/2012/main" name="Office Theme" id="{62F939B6-93AF-4DB8-9C6B-D6C7DFDC589F}" vid="{4A3C46E8-61CC-4603-A589-7422A47A8E4A}"/>
     </a:ext>
   </a:extLst>
 </a:theme>
